--- a/output/14_01_2025/test Rsq/confronto percentuale di fit - iso.pptx
+++ b/output/14_01_2025/test Rsq/confronto percentuale di fit - iso.pptx
@@ -3364,7 +3364,7 @@
           <a:p>
             <a:r>
               <a:rPr lang="it-IT" dirty="0"/>
-              <a:t>ACM EXP111</a:t>
+              <a:t>ISO EXP111</a:t>
             </a:r>
           </a:p>
           <a:p>
